--- a/EPIGseqManuscript/figures/flow-chart.pptx
+++ b/EPIGseqManuscript/figures/flow-chart.pptx
@@ -192,7 +192,7 @@
           <a:p>
             <a:fld id="{8B4EBA7A-56E1-4937-B6A7-4CCE0E7AD144}" type="datetimeFigureOut">
               <a:rPr lang="en-US" smtClean="0"/>
-              <a:t>10/20/2014</a:t>
+              <a:t>10/22/2014</a:t>
             </a:fld>
             <a:endParaRPr lang="en-US"/>
           </a:p>
@@ -641,7 +641,7 @@
           <a:p>
             <a:fld id="{D604A245-C8BD-064D-B7C3-50DA7C8D409F}" type="datetimeFigureOut">
               <a:rPr lang="en-US" smtClean="0"/>
-              <a:t>10/20/2014</a:t>
+              <a:t>10/22/2014</a:t>
             </a:fld>
             <a:endParaRPr lang="en-US"/>
           </a:p>
@@ -811,7 +811,7 @@
           <a:p>
             <a:fld id="{D604A245-C8BD-064D-B7C3-50DA7C8D409F}" type="datetimeFigureOut">
               <a:rPr lang="en-US" smtClean="0"/>
-              <a:t>10/20/2014</a:t>
+              <a:t>10/22/2014</a:t>
             </a:fld>
             <a:endParaRPr lang="en-US"/>
           </a:p>
@@ -991,7 +991,7 @@
           <a:p>
             <a:fld id="{D604A245-C8BD-064D-B7C3-50DA7C8D409F}" type="datetimeFigureOut">
               <a:rPr lang="en-US" smtClean="0"/>
-              <a:t>10/20/2014</a:t>
+              <a:t>10/22/2014</a:t>
             </a:fld>
             <a:endParaRPr lang="en-US"/>
           </a:p>
@@ -1161,7 +1161,7 @@
           <a:p>
             <a:fld id="{D604A245-C8BD-064D-B7C3-50DA7C8D409F}" type="datetimeFigureOut">
               <a:rPr lang="en-US" smtClean="0"/>
-              <a:t>10/20/2014</a:t>
+              <a:t>10/22/2014</a:t>
             </a:fld>
             <a:endParaRPr lang="en-US"/>
           </a:p>
@@ -1407,7 +1407,7 @@
           <a:p>
             <a:fld id="{D604A245-C8BD-064D-B7C3-50DA7C8D409F}" type="datetimeFigureOut">
               <a:rPr lang="en-US" smtClean="0"/>
-              <a:t>10/20/2014</a:t>
+              <a:t>10/22/2014</a:t>
             </a:fld>
             <a:endParaRPr lang="en-US"/>
           </a:p>
@@ -1695,7 +1695,7 @@
           <a:p>
             <a:fld id="{D604A245-C8BD-064D-B7C3-50DA7C8D409F}" type="datetimeFigureOut">
               <a:rPr lang="en-US" smtClean="0"/>
-              <a:t>10/20/2014</a:t>
+              <a:t>10/22/2014</a:t>
             </a:fld>
             <a:endParaRPr lang="en-US"/>
           </a:p>
@@ -2117,7 +2117,7 @@
           <a:p>
             <a:fld id="{D604A245-C8BD-064D-B7C3-50DA7C8D409F}" type="datetimeFigureOut">
               <a:rPr lang="en-US" smtClean="0"/>
-              <a:t>10/20/2014</a:t>
+              <a:t>10/22/2014</a:t>
             </a:fld>
             <a:endParaRPr lang="en-US"/>
           </a:p>
@@ -2235,7 +2235,7 @@
           <a:p>
             <a:fld id="{D604A245-C8BD-064D-B7C3-50DA7C8D409F}" type="datetimeFigureOut">
               <a:rPr lang="en-US" smtClean="0"/>
-              <a:t>10/20/2014</a:t>
+              <a:t>10/22/2014</a:t>
             </a:fld>
             <a:endParaRPr lang="en-US"/>
           </a:p>
@@ -2330,7 +2330,7 @@
           <a:p>
             <a:fld id="{D604A245-C8BD-064D-B7C3-50DA7C8D409F}" type="datetimeFigureOut">
               <a:rPr lang="en-US" smtClean="0"/>
-              <a:t>10/20/2014</a:t>
+              <a:t>10/22/2014</a:t>
             </a:fld>
             <a:endParaRPr lang="en-US"/>
           </a:p>
@@ -2607,7 +2607,7 @@
           <a:p>
             <a:fld id="{D604A245-C8BD-064D-B7C3-50DA7C8D409F}" type="datetimeFigureOut">
               <a:rPr lang="en-US" smtClean="0"/>
-              <a:t>10/20/2014</a:t>
+              <a:t>10/22/2014</a:t>
             </a:fld>
             <a:endParaRPr lang="en-US"/>
           </a:p>
@@ -2860,7 +2860,7 @@
           <a:p>
             <a:fld id="{D604A245-C8BD-064D-B7C3-50DA7C8D409F}" type="datetimeFigureOut">
               <a:rPr lang="en-US" smtClean="0"/>
-              <a:t>10/20/2014</a:t>
+              <a:t>10/22/2014</a:t>
             </a:fld>
             <a:endParaRPr lang="en-US"/>
           </a:p>
@@ -3073,7 +3073,7 @@
           <a:p>
             <a:fld id="{D604A245-C8BD-064D-B7C3-50DA7C8D409F}" type="datetimeFigureOut">
               <a:rPr lang="en-US" smtClean="0"/>
-              <a:t>10/20/2014</a:t>
+              <a:t>10/22/2014</a:t>
             </a:fld>
             <a:endParaRPr lang="en-US"/>
           </a:p>
@@ -3666,7 +3666,15 @@
                   <a:schemeClr val="tx1"/>
                 </a:solidFill>
               </a:rPr>
-              <a:t>Extract significant patterns</a:t>
+              <a:t>Extract/seed </a:t>
+            </a:r>
+            <a:r>
+              <a:rPr lang="en-US" sz="1600" dirty="0" smtClean="0">
+                <a:solidFill>
+                  <a:schemeClr val="tx1"/>
+                </a:solidFill>
+              </a:rPr>
+              <a:t>significant patterns</a:t>
             </a:r>
             <a:endParaRPr lang="en-US" sz="1600" dirty="0">
               <a:solidFill>
@@ -3927,7 +3935,15 @@
                   <a:schemeClr val="tx1"/>
                 </a:solidFill>
               </a:rPr>
-              <a:t>Categorize profiles to patterns</a:t>
+              <a:t>Categorize profiles to </a:t>
+            </a:r>
+            <a:r>
+              <a:rPr lang="en-US" sz="1600" dirty="0" smtClean="0">
+                <a:solidFill>
+                  <a:schemeClr val="tx1"/>
+                </a:solidFill>
+              </a:rPr>
+              <a:t>patterns (PCS)</a:t>
             </a:r>
             <a:endParaRPr lang="en-US" sz="1600" dirty="0">
               <a:solidFill>
@@ -3985,7 +4001,7 @@
                   <a:schemeClr val="tx1"/>
                 </a:solidFill>
               </a:rPr>
-              <a:t>Produce pattern assessment</a:t>
+              <a:t>Finalize pattern (s) with significance assessment</a:t>
             </a:r>
             <a:endParaRPr lang="en-US" sz="1600" dirty="0">
               <a:solidFill>
@@ -4117,8 +4133,8 @@
         </p:nvSpPr>
         <p:spPr>
           <a:xfrm>
-            <a:off x="2815965" y="5542099"/>
-            <a:ext cx="1452023" cy="541406"/>
+            <a:off x="2286857" y="5530842"/>
+            <a:ext cx="2457075" cy="1000942"/>
           </a:xfrm>
           <a:prstGeom prst="rect">
             <a:avLst/>
@@ -4157,7 +4173,15 @@
                   <a:schemeClr val="tx1"/>
                 </a:solidFill>
               </a:rPr>
-              <a:t>Report patterns</a:t>
+              <a:t>Report </a:t>
+            </a:r>
+            <a:r>
+              <a:rPr lang="en-US" sz="1600" dirty="0" smtClean="0">
+                <a:solidFill>
+                  <a:schemeClr val="tx1"/>
+                </a:solidFill>
+              </a:rPr>
+              <a:t>patterns and co-expressed genes associated with the patterns </a:t>
             </a:r>
             <a:endParaRPr lang="en-US" sz="1600" dirty="0">
               <a:solidFill>
@@ -4175,7 +4199,7 @@
         </p:nvSpPr>
         <p:spPr>
           <a:xfrm>
-            <a:off x="3305164" y="5078904"/>
+            <a:off x="3295004" y="5089064"/>
             <a:ext cx="396241" cy="436880"/>
           </a:xfrm>
           <a:prstGeom prst="downArrow">
